--- a/templates/alc_template.pptx
+++ b/templates/alc_template.pptx
@@ -217,7 +217,7 @@
           <a:p>
             <a:fld id="{E2C34BA6-6C5B-4EE5-B1E8-7A5F0DBC4D31}" type="datetimeFigureOut">
               <a:rPr lang="en-US" smtClean="0"/>
-              <a:t>5/27/2025</a:t>
+              <a:t>5/29/2025</a:t>
             </a:fld>
             <a:endParaRPr lang="en-US"/>
           </a:p>
@@ -395,7 +395,7 @@
           <a:p>
             <a:fld id="{8883AFC6-3687-4B02-ACE1-8914ED83DECC}" type="datetimeFigureOut">
               <a:rPr lang="en-US" smtClean="0"/>
-              <a:t>5/27/2025</a:t>
+              <a:t>5/29/2025</a:t>
             </a:fld>
             <a:endParaRPr lang="en-US"/>
           </a:p>
@@ -810,7 +810,7 @@
           <a:p>
             <a:fld id="{B501CE35-99CF-4677-A5F7-3714B47E5159}" type="datetime8">
               <a:rPr lang="en-US" smtClean="0"/>
-              <a:t>5/27/2025 2:46 PM</a:t>
+              <a:t>5/29/2025 12:26 PM</a:t>
             </a:fld>
             <a:endParaRPr lang="en-US"/>
           </a:p>
@@ -1008,7 +1008,7 @@
           <a:p>
             <a:fld id="{C9554F23-0E44-4DD9-AC89-D7CBAF59A290}" type="datetime8">
               <a:rPr lang="en-US" smtClean="0"/>
-              <a:t>5/27/2025 2:46 PM</a:t>
+              <a:t>5/29/2025 12:26 PM</a:t>
             </a:fld>
             <a:endParaRPr lang="en-US"/>
           </a:p>
@@ -1216,7 +1216,7 @@
           <a:p>
             <a:fld id="{94870B87-2CF2-4702-871D-24D1E39D17EC}" type="datetime8">
               <a:rPr lang="en-US" smtClean="0"/>
-              <a:t>5/27/2025 2:46 PM</a:t>
+              <a:t>5/29/2025 12:26 PM</a:t>
             </a:fld>
             <a:endParaRPr lang="en-US"/>
           </a:p>
@@ -1414,7 +1414,7 @@
           <a:p>
             <a:fld id="{B32D32C1-C7C4-4386-BE7B-E2F9D8A716A5}" type="datetime8">
               <a:rPr lang="en-US" smtClean="0"/>
-              <a:t>5/27/2025 2:46 PM</a:t>
+              <a:t>5/29/2025 12:26 PM</a:t>
             </a:fld>
             <a:endParaRPr lang="en-US"/>
           </a:p>
@@ -1689,7 +1689,7 @@
           <a:p>
             <a:fld id="{EC4EBB55-533B-42D0-8EC5-E64F653EB4A8}" type="datetime8">
               <a:rPr lang="en-US" smtClean="0"/>
-              <a:t>5/27/2025 2:46 PM</a:t>
+              <a:t>5/29/2025 12:26 PM</a:t>
             </a:fld>
             <a:endParaRPr lang="en-US"/>
           </a:p>
@@ -1954,7 +1954,7 @@
           <a:p>
             <a:fld id="{F474AAE2-8C59-4646-ACBF-7904B7938B81}" type="datetime8">
               <a:rPr lang="en-US" smtClean="0"/>
-              <a:t>5/27/2025 2:46 PM</a:t>
+              <a:t>5/29/2025 12:26 PM</a:t>
             </a:fld>
             <a:endParaRPr lang="en-US"/>
           </a:p>
@@ -2366,7 +2366,7 @@
           <a:p>
             <a:fld id="{F063F79F-7A13-49E9-BB8B-1D6AB02BAF58}" type="datetime8">
               <a:rPr lang="en-US" smtClean="0"/>
-              <a:t>5/27/2025 2:46 PM</a:t>
+              <a:t>5/29/2025 12:26 PM</a:t>
             </a:fld>
             <a:endParaRPr lang="en-US"/>
           </a:p>
@@ -2507,7 +2507,7 @@
           <a:p>
             <a:fld id="{7AB00A27-18B2-46D8-9D40-D012AA3C0323}" type="datetime8">
               <a:rPr lang="en-US" smtClean="0"/>
-              <a:t>5/27/2025 2:46 PM</a:t>
+              <a:t>5/29/2025 12:26 PM</a:t>
             </a:fld>
             <a:endParaRPr lang="en-US"/>
           </a:p>
@@ -2620,7 +2620,7 @@
           <a:p>
             <a:fld id="{18238E7B-7ED1-4BF8-A491-605E114AFB9B}" type="datetime8">
               <a:rPr lang="en-US" smtClean="0"/>
-              <a:t>5/27/2025 2:46 PM</a:t>
+              <a:t>5/29/2025 12:26 PM</a:t>
             </a:fld>
             <a:endParaRPr lang="en-US"/>
           </a:p>
@@ -2931,7 +2931,7 @@
           <a:p>
             <a:fld id="{3AD70B5F-D298-4CE1-9B00-2D5BC77F8E30}" type="datetime8">
               <a:rPr lang="en-US" smtClean="0"/>
-              <a:t>5/27/2025 2:46 PM</a:t>
+              <a:t>5/29/2025 12:26 PM</a:t>
             </a:fld>
             <a:endParaRPr lang="en-US"/>
           </a:p>
@@ -3219,7 +3219,7 @@
           <a:p>
             <a:fld id="{66C93F40-9CFB-44F6-A05C-E1B346E921DA}" type="datetime8">
               <a:rPr lang="en-US" smtClean="0"/>
-              <a:t>5/27/2025 2:46 PM</a:t>
+              <a:t>5/29/2025 12:26 PM</a:t>
             </a:fld>
             <a:endParaRPr lang="en-US"/>
           </a:p>
@@ -3463,7 +3463,7 @@
           <a:p>
             <a:fld id="{71C0C2B6-A23C-4161-A00E-77D2BAC25542}" type="datetime8">
               <a:rPr lang="en-US" smtClean="0"/>
-              <a:t>5/27/2025 2:46 PM</a:t>
+              <a:t>5/29/2025 12:26 PM</a:t>
             </a:fld>
             <a:endParaRPr lang="en-US"/>
           </a:p>
@@ -3996,7 +3996,7 @@
                 <a:ea typeface="+mj-ea"/>
                 <a:cs typeface="+mj-cs"/>
               </a:rPr>
-              <a:t>2:50 PM</a:t>
+              <a:t>12:27 PM</a:t>
             </a:r>
             <a:endParaRPr lang="en-US" sz="4400" dirty="0">
               <a:solidFill>
@@ -4050,7 +4050,7 @@
                   <a:schemeClr val="bg1"/>
                 </a:solidFill>
               </a:rPr>
-              <a:t>Tuesday, May 27, 2025</a:t>
+              <a:t>Thursday, May 29, 2025</a:t>
             </a:r>
             <a:endParaRPr lang="en-US" sz="2400" dirty="0">
               <a:solidFill>
@@ -4446,7 +4446,7 @@
                 </a:solidFill>
                 <a:latin typeface="Bebas Neue" panose="020B0506020202020201" pitchFamily="34" charset="0"/>
               </a:rPr>
-              <a:t>54</a:t>
+              <a:t>64</a:t>
             </a:r>
             <a:endParaRPr lang="en-US" sz="3200" dirty="0">
               <a:solidFill>
@@ -4776,14 +4776,20 @@
               </a:spcAft>
             </a:pPr>
             <a:r>
-              <a:rPr lang="en-US" sz="1600" dirty="0">
+              <a:rPr lang="en-US" sz="1600">
                 <a:solidFill>
                   <a:schemeClr val="bg1"/>
                 </a:solidFill>
                 <a:latin typeface="Calibri Light" panose="020F0302020204030204" pitchFamily="34" charset="0"/>
               </a:rPr>
-              <a:t>Light Rain</a:t>
+              <a:t>Cloudy</a:t>
             </a:r>
+            <a:endParaRPr lang="en-US" sz="1600" dirty="0">
+              <a:solidFill>
+                <a:schemeClr val="bg1"/>
+              </a:solidFill>
+              <a:latin typeface="Calibri Light" panose="020F0302020204030204" pitchFamily="34" charset="0"/>
+            </a:endParaRPr>
           </a:p>
         </p:txBody>
       </p:sp>
@@ -4825,10 +4831,10 @@
       </p:pic>
       <p:pic>
         <p:nvPicPr>
-          <p:cNvPr id="21" name="WeatherIcon">
-            <a:extLst>
-              <a:ext uri="{FF2B5EF4-FFF2-40B4-BE49-F238E27FC236}">
-                <a16:creationId xmlns:a16="http://schemas.microsoft.com/office/drawing/2014/main" id="{842072C5-3457-1B70-ECC6-DB7101955D27}"/>
+          <p:cNvPr id="6" name="WeatherIcon">
+            <a:extLst>
+              <a:ext uri="{FF2B5EF4-FFF2-40B4-BE49-F238E27FC236}">
+                <a16:creationId xmlns:a16="http://schemas.microsoft.com/office/drawing/2014/main" id="{38991147-1F28-67F9-8FC7-DB1EEF671493}"/>
               </a:ext>
             </a:extLst>
           </p:cNvPr>
@@ -5030,7 +5036,7 @@
                   <a:schemeClr val="tx1"/>
                 </a:solidFill>
               </a:rPr>
-              <a:t>Wednesday (May 28)</a:t>
+              <a:t>Friday</a:t>
             </a:r>
             <a:endParaRPr lang="en-US" sz="2000" dirty="0">
               <a:solidFill>
@@ -5165,7 +5171,7 @@
                   <a:schemeClr val="tx1"/>
                 </a:solidFill>
               </a:rPr>
-              <a:t>Saturday (May 31)</a:t>
+              <a:t>Monday</a:t>
             </a:r>
             <a:endParaRPr lang="en-US" sz="2000" dirty="0">
               <a:solidFill>
@@ -5300,7 +5306,7 @@
                   <a:schemeClr val="tx1"/>
                 </a:solidFill>
               </a:rPr>
-              <a:t>Thursday (May 29)</a:t>
+              <a:t>Saturday</a:t>
             </a:r>
             <a:endParaRPr lang="en-US" sz="2000" dirty="0">
               <a:solidFill>
@@ -5435,7 +5441,7 @@
                   <a:schemeClr val="tx1"/>
                 </a:solidFill>
               </a:rPr>
-              <a:t>Friday (May 30)</a:t>
+              <a:t>Sunday</a:t>
             </a:r>
             <a:endParaRPr lang="en-US" sz="2000" dirty="0">
               <a:solidFill>
@@ -5571,7 +5577,7 @@
                 </a:solidFill>
                 <a:latin typeface="+mj-lt"/>
               </a:rPr>
-              <a:t>H: 69°F  L: 48°F</a:t>
+              <a:t>H: 82°F  L: 58°F</a:t>
             </a:r>
             <a:endParaRPr lang="en-US" sz="1800" dirty="0">
               <a:solidFill>
@@ -5708,7 +5714,7 @@
                 </a:solidFill>
                 <a:latin typeface="+mj-lt"/>
               </a:rPr>
-              <a:t>H: 82°F  L: 58°F</a:t>
+              <a:t>H: 90°F  L: 67°F</a:t>
             </a:r>
             <a:endParaRPr lang="en-US" sz="1800" dirty="0">
               <a:solidFill>
@@ -5845,7 +5851,7 @@
                 </a:solidFill>
                 <a:latin typeface="+mj-lt"/>
               </a:rPr>
-              <a:t>H: 75°F  L: 53°F</a:t>
+              <a:t>H: 84°F  L: 59°F</a:t>
             </a:r>
             <a:endParaRPr lang="en-US" sz="1800" dirty="0">
               <a:solidFill>
@@ -5982,7 +5988,7 @@
                 </a:solidFill>
                 <a:latin typeface="+mj-lt"/>
               </a:rPr>
-              <a:t>H: 82°F  L: 57°F</a:t>
+              <a:t>H: 88°F  L: 63°F</a:t>
             </a:r>
             <a:endParaRPr lang="en-US" sz="1800" dirty="0">
               <a:solidFill>
@@ -6037,7 +6043,7 @@
                 <a:ea typeface="+mj-ea"/>
                 <a:cs typeface="+mj-cs"/>
               </a:rPr>
-              <a:t>2:50 PM</a:t>
+              <a:t>12:27 PM</a:t>
             </a:r>
             <a:endParaRPr lang="en-US" sz="4800" dirty="0">
               <a:latin typeface="+mj-lt"/>
@@ -6084,7 +6090,7 @@
             </a:pPr>
             <a:r>
               <a:rPr lang="en-US" sz="2400"/>
-              <a:t>Tuesday, May 27, 2025</a:t>
+              <a:t>Thursday, May 29, 2025</a:t>
             </a:r>
             <a:endParaRPr lang="en-US" sz="2400" dirty="0"/>
           </a:p>
@@ -6128,10 +6134,10 @@
       </p:pic>
       <p:pic>
         <p:nvPicPr>
-          <p:cNvPr id="34" name="ForecastIcon2">
-            <a:extLst>
-              <a:ext uri="{FF2B5EF4-FFF2-40B4-BE49-F238E27FC236}">
-                <a16:creationId xmlns:a16="http://schemas.microsoft.com/office/drawing/2014/main" id="{79E7B19D-255B-762C-BF9F-C4A14F3DADBB}"/>
+          <p:cNvPr id="6" name="ForecastIcon2">
+            <a:extLst>
+              <a:ext uri="{FF2B5EF4-FFF2-40B4-BE49-F238E27FC236}">
+                <a16:creationId xmlns:a16="http://schemas.microsoft.com/office/drawing/2014/main" id="{D1FB87CA-A15B-0EB9-2916-D70513CC0144}"/>
               </a:ext>
             </a:extLst>
           </p:cNvPr>
@@ -6164,10 +6170,10 @@
       </p:pic>
       <p:pic>
         <p:nvPicPr>
-          <p:cNvPr id="36" name="ForecastIcon3">
-            <a:extLst>
-              <a:ext uri="{FF2B5EF4-FFF2-40B4-BE49-F238E27FC236}">
-                <a16:creationId xmlns:a16="http://schemas.microsoft.com/office/drawing/2014/main" id="{383FCC12-2278-BF7A-910B-CC849E40DB17}"/>
+          <p:cNvPr id="8" name="ForecastIcon3">
+            <a:extLst>
+              <a:ext uri="{FF2B5EF4-FFF2-40B4-BE49-F238E27FC236}">
+                <a16:creationId xmlns:a16="http://schemas.microsoft.com/office/drawing/2014/main" id="{B2C18FF1-4005-12CD-3A74-35A3533B67D4}"/>
               </a:ext>
             </a:extLst>
           </p:cNvPr>
@@ -6177,7 +6183,7 @@
           <p:nvPr/>
         </p:nvPicPr>
         <p:blipFill>
-          <a:blip r:embed="rId12">
+          <a:blip r:embed="rId11">
             <a:extLst>
               <a:ext uri="{28A0092B-C50C-407E-A947-70E740481C1C}">
                 <a14:useLocalDpi xmlns:a14="http://schemas.microsoft.com/office/drawing/2010/main" val="0"/>
@@ -6200,10 +6206,10 @@
       </p:pic>
       <p:pic>
         <p:nvPicPr>
-          <p:cNvPr id="38" name="ForecastIcon4">
-            <a:extLst>
-              <a:ext uri="{FF2B5EF4-FFF2-40B4-BE49-F238E27FC236}">
-                <a16:creationId xmlns:a16="http://schemas.microsoft.com/office/drawing/2014/main" id="{2021861C-1785-17E8-6730-1FF47D91F40B}"/>
+          <p:cNvPr id="12" name="ForecastIcon4">
+            <a:extLst>
+              <a:ext uri="{FF2B5EF4-FFF2-40B4-BE49-F238E27FC236}">
+                <a16:creationId xmlns:a16="http://schemas.microsoft.com/office/drawing/2014/main" id="{F620CF5B-F2A3-F358-FDE9-DE180AC1CF84}"/>
               </a:ext>
             </a:extLst>
           </p:cNvPr>
@@ -6213,7 +6219,7 @@
           <p:nvPr/>
         </p:nvPicPr>
         <p:blipFill>
-          <a:blip r:embed="rId12">
+          <a:blip r:embed="rId11">
             <a:extLst>
               <a:ext uri="{28A0092B-C50C-407E-A947-70E740481C1C}">
                 <a14:useLocalDpi xmlns:a14="http://schemas.microsoft.com/office/drawing/2010/main" val="0"/>
@@ -6236,10 +6242,10 @@
       </p:pic>
       <p:pic>
         <p:nvPicPr>
-          <p:cNvPr id="40" name="ForecastIcon5">
-            <a:extLst>
-              <a:ext uri="{FF2B5EF4-FFF2-40B4-BE49-F238E27FC236}">
-                <a16:creationId xmlns:a16="http://schemas.microsoft.com/office/drawing/2014/main" id="{36D410C5-1355-F62F-B7D3-A2D9C5F669F8}"/>
+          <p:cNvPr id="16" name="ForecastIcon5">
+            <a:extLst>
+              <a:ext uri="{FF2B5EF4-FFF2-40B4-BE49-F238E27FC236}">
+                <a16:creationId xmlns:a16="http://schemas.microsoft.com/office/drawing/2014/main" id="{24931238-A18B-1F7C-6503-64A863D5C9D1}"/>
               </a:ext>
             </a:extLst>
           </p:cNvPr>
@@ -6249,7 +6255,7 @@
           <p:nvPr/>
         </p:nvPicPr>
         <p:blipFill>
-          <a:blip r:embed="rId13">
+          <a:blip r:embed="rId11">
             <a:extLst>
               <a:ext uri="{28A0092B-C50C-407E-A947-70E740481C1C}">
                 <a14:useLocalDpi xmlns:a14="http://schemas.microsoft.com/office/drawing/2010/main" val="0"/>
@@ -6474,7 +6480,7 @@
                 <a:ea typeface="+mn-ea"/>
                 <a:cs typeface="+mn-cs"/>
               </a:rPr>
-              <a:t>2:50 PM</a:t>
+              <a:t>12:27 PM</a:t>
             </a:r>
             <a:endParaRPr kumimoji="0" lang="en-US" sz="4400" b="0" i="0" u="none" strike="noStrike" kern="1200" cap="none" spc="0" normalizeH="0" baseline="0" noProof="0" dirty="0">
               <a:ln>
@@ -6552,7 +6558,7 @@
                 <a:ea typeface="+mn-ea"/>
                 <a:cs typeface="+mn-cs"/>
               </a:rPr>
-              <a:t>Tuesday, May 27, 2025</a:t>
+              <a:t>Thursday, May 29, 2025</a:t>
             </a:r>
             <a:endParaRPr kumimoji="0" lang="en-US" sz="2400" b="0" i="0" u="none" strike="noStrike" kern="1200" cap="none" spc="0" normalizeH="0" baseline="0" noProof="0" dirty="0">
               <a:ln>
@@ -7028,7 +7034,7 @@
                 <a:ea typeface="+mn-ea"/>
                 <a:cs typeface="+mn-cs"/>
               </a:rPr>
-              <a:t>54</a:t>
+              <a:t>64</a:t>
             </a:r>
             <a:endParaRPr kumimoji="0" lang="en-US" sz="3200" b="0" i="0" u="none" strike="noStrike" kern="1200" cap="none" spc="0" normalizeH="0" baseline="0" noProof="0" dirty="0">
               <a:ln>
@@ -7427,7 +7433,7 @@
               <a:defRPr/>
             </a:pPr>
             <a:r>
-              <a:rPr kumimoji="0" lang="en-US" sz="1600" b="0" i="0" u="none" strike="noStrike" kern="1200" cap="none" spc="0" normalizeH="0" baseline="0" noProof="0" dirty="0">
+              <a:rPr kumimoji="0" lang="en-US" sz="1600" b="0" i="0" u="none" strike="noStrike" kern="1200" cap="none" spc="0" normalizeH="0" baseline="0" noProof="0">
                 <a:ln>
                   <a:noFill/>
                 </a:ln>
@@ -7441,8 +7447,22 @@
                 <a:ea typeface="+mn-ea"/>
                 <a:cs typeface="+mn-cs"/>
               </a:rPr>
-              <a:t>Light Rain</a:t>
+              <a:t>Cloudy</a:t>
             </a:r>
+            <a:endParaRPr kumimoji="0" lang="en-US" sz="1600" b="0" i="0" u="none" strike="noStrike" kern="1200" cap="none" spc="0" normalizeH="0" baseline="0" noProof="0" dirty="0">
+              <a:ln>
+                <a:noFill/>
+              </a:ln>
+              <a:solidFill>
+                <a:prstClr val="white"/>
+              </a:solidFill>
+              <a:effectLst/>
+              <a:uLnTx/>
+              <a:uFillTx/>
+              <a:latin typeface="Calibri Light" panose="020F0302020204030204" pitchFamily="34" charset="0"/>
+              <a:ea typeface="+mn-ea"/>
+              <a:cs typeface="+mn-cs"/>
+            </a:endParaRPr>
           </a:p>
         </p:txBody>
       </p:sp>
@@ -7484,10 +7504,10 @@
       </p:pic>
       <p:pic>
         <p:nvPicPr>
-          <p:cNvPr id="21" name="WeatherIcon">
-            <a:extLst>
-              <a:ext uri="{FF2B5EF4-FFF2-40B4-BE49-F238E27FC236}">
-                <a16:creationId xmlns:a16="http://schemas.microsoft.com/office/drawing/2014/main" id="{0FC4D40E-882B-5F5A-E072-4FC46D59D2C7}"/>
+          <p:cNvPr id="6" name="WeatherIcon">
+            <a:extLst>
+              <a:ext uri="{FF2B5EF4-FFF2-40B4-BE49-F238E27FC236}">
+                <a16:creationId xmlns:a16="http://schemas.microsoft.com/office/drawing/2014/main" id="{86BB6568-06FD-D4D0-FD05-45BC233F3027}"/>
               </a:ext>
             </a:extLst>
           </p:cNvPr>
@@ -7705,7 +7725,7 @@
               <a:defRPr/>
             </a:pPr>
             <a:r>
-              <a:rPr kumimoji="0" lang="en-US" sz="2000" b="0" i="0" u="none" strike="noStrike" kern="1200" cap="none" spc="0" normalizeH="0" baseline="0" noProof="0" dirty="0">
+              <a:rPr kumimoji="0" lang="en-US" sz="2000" b="0" i="0" u="none" strike="noStrike" kern="1200" cap="none" spc="0" normalizeH="0" baseline="0" noProof="0">
                 <a:ln>
                   <a:noFill/>
                 </a:ln>
@@ -7719,8 +7739,22 @@
                 <a:ea typeface="+mn-ea"/>
                 <a:cs typeface="+mn-cs"/>
               </a:rPr>
-              <a:t>Wednesday (May 28)</a:t>
+              <a:t>Friday</a:t>
             </a:r>
+            <a:endParaRPr kumimoji="0" lang="en-US" sz="2000" b="0" i="0" u="none" strike="noStrike" kern="1200" cap="none" spc="0" normalizeH="0" baseline="0" noProof="0" dirty="0">
+              <a:ln>
+                <a:noFill/>
+              </a:ln>
+              <a:solidFill>
+                <a:schemeClr val="bg1"/>
+              </a:solidFill>
+              <a:effectLst/>
+              <a:uLnTx/>
+              <a:uFillTx/>
+              <a:latin typeface="Bebas Neue" panose="020B0506020202020201" pitchFamily="34" charset="0"/>
+              <a:ea typeface="+mn-ea"/>
+              <a:cs typeface="+mn-cs"/>
+            </a:endParaRPr>
           </a:p>
         </p:txBody>
       </p:sp>
@@ -7873,7 +7907,7 @@
                 <a:ea typeface="+mn-ea"/>
                 <a:cs typeface="+mn-cs"/>
               </a:rPr>
-              <a:t>Saturday (May 31)</a:t>
+              <a:t>Monday</a:t>
             </a:r>
             <a:endParaRPr kumimoji="0" lang="en-US" sz="2000" b="0" i="0" u="none" strike="noStrike" kern="1200" cap="none" spc="0" normalizeH="0" baseline="0" noProof="0" dirty="0">
               <a:ln>
@@ -8041,7 +8075,7 @@
                 <a:ea typeface="+mn-ea"/>
                 <a:cs typeface="+mn-cs"/>
               </a:rPr>
-              <a:t>Thursday (May 29)</a:t>
+              <a:t>Saturday</a:t>
             </a:r>
             <a:endParaRPr kumimoji="0" lang="en-US" sz="2000" b="0" i="0" u="none" strike="noStrike" kern="1200" cap="none" spc="0" normalizeH="0" baseline="0" noProof="0" dirty="0">
               <a:ln>
@@ -8209,7 +8243,7 @@
                 <a:ea typeface="+mn-ea"/>
                 <a:cs typeface="+mn-cs"/>
               </a:rPr>
-              <a:t>Friday (May 30)</a:t>
+              <a:t>Sunday</a:t>
             </a:r>
             <a:endParaRPr kumimoji="0" lang="en-US" sz="2000" b="0" i="0" u="none" strike="noStrike" kern="1200" cap="none" spc="0" normalizeH="0" baseline="0" noProof="0" dirty="0">
               <a:ln>
@@ -8377,7 +8411,7 @@
                 <a:ea typeface="+mn-ea"/>
                 <a:cs typeface="+mn-cs"/>
               </a:rPr>
-              <a:t>H: 69°F  L: 48°F</a:t>
+              <a:t>H: 82°F  L: 58°F</a:t>
             </a:r>
             <a:endParaRPr kumimoji="0" lang="en-US" sz="1800" b="0" i="0" u="none" strike="noStrike" kern="1200" cap="none" spc="0" normalizeH="0" baseline="0" noProof="0" dirty="0">
               <a:ln>
@@ -8545,7 +8579,7 @@
                 <a:ea typeface="+mn-ea"/>
                 <a:cs typeface="+mn-cs"/>
               </a:rPr>
-              <a:t>H: 82°F  L: 58°F</a:t>
+              <a:t>H: 90°F  L: 67°F</a:t>
             </a:r>
             <a:endParaRPr kumimoji="0" lang="en-US" sz="1800" b="0" i="0" u="none" strike="noStrike" kern="1200" cap="none" spc="0" normalizeH="0" baseline="0" noProof="0" dirty="0">
               <a:ln>
@@ -8713,7 +8747,7 @@
                 <a:ea typeface="+mn-ea"/>
                 <a:cs typeface="+mn-cs"/>
               </a:rPr>
-              <a:t>H: 75°F  L: 53°F</a:t>
+              <a:t>H: 84°F  L: 59°F</a:t>
             </a:r>
             <a:endParaRPr kumimoji="0" lang="en-US" sz="1800" b="0" i="0" u="none" strike="noStrike" kern="1200" cap="none" spc="0" normalizeH="0" baseline="0" noProof="0" dirty="0">
               <a:ln>
@@ -8881,7 +8915,7 @@
                 <a:ea typeface="+mn-ea"/>
                 <a:cs typeface="+mn-cs"/>
               </a:rPr>
-              <a:t>H: 82°F  L: 57°F</a:t>
+              <a:t>H: 88°F  L: 63°F</a:t>
             </a:r>
             <a:endParaRPr kumimoji="0" lang="en-US" sz="1800" b="0" i="0" u="none" strike="noStrike" kern="1200" cap="none" spc="0" normalizeH="0" baseline="0" noProof="0" dirty="0">
               <a:ln>
@@ -8959,7 +8993,7 @@
                 <a:ea typeface="+mn-ea"/>
                 <a:cs typeface="+mn-cs"/>
               </a:rPr>
-              <a:t>2:50 PM</a:t>
+              <a:t>12:27 PM</a:t>
             </a:r>
             <a:endParaRPr kumimoji="0" lang="en-US" sz="4800" b="0" i="0" u="none" strike="noStrike" kern="1200" cap="none" spc="0" normalizeH="0" baseline="0" noProof="0" dirty="0">
               <a:ln>
@@ -9037,7 +9071,7 @@
                 <a:ea typeface="+mn-ea"/>
                 <a:cs typeface="+mn-cs"/>
               </a:rPr>
-              <a:t>Tuesday, May 27, 2025</a:t>
+              <a:t>Thursday, May 29, 2025</a:t>
             </a:r>
             <a:endParaRPr kumimoji="0" lang="en-US" sz="2400" b="0" i="0" u="none" strike="noStrike" kern="1200" cap="none" spc="0" normalizeH="0" baseline="0" noProof="0" dirty="0">
               <a:ln>
@@ -9094,10 +9128,10 @@
       </p:pic>
       <p:pic>
         <p:nvPicPr>
-          <p:cNvPr id="34" name="ForecastIcon2">
-            <a:extLst>
-              <a:ext uri="{FF2B5EF4-FFF2-40B4-BE49-F238E27FC236}">
-                <a16:creationId xmlns:a16="http://schemas.microsoft.com/office/drawing/2014/main" id="{0DF0AE3F-F4E9-C63A-80D2-3F11FD6289DC}"/>
+          <p:cNvPr id="6" name="ForecastIcon2">
+            <a:extLst>
+              <a:ext uri="{FF2B5EF4-FFF2-40B4-BE49-F238E27FC236}">
+                <a16:creationId xmlns:a16="http://schemas.microsoft.com/office/drawing/2014/main" id="{A04E5B36-CC1F-082B-6FD9-0D579DBCFD47}"/>
               </a:ext>
             </a:extLst>
           </p:cNvPr>
@@ -9130,10 +9164,10 @@
       </p:pic>
       <p:pic>
         <p:nvPicPr>
-          <p:cNvPr id="36" name="ForecastIcon3">
-            <a:extLst>
-              <a:ext uri="{FF2B5EF4-FFF2-40B4-BE49-F238E27FC236}">
-                <a16:creationId xmlns:a16="http://schemas.microsoft.com/office/drawing/2014/main" id="{33E47A71-2EC5-848A-9EF6-FDCC724BE81B}"/>
+          <p:cNvPr id="8" name="ForecastIcon3">
+            <a:extLst>
+              <a:ext uri="{FF2B5EF4-FFF2-40B4-BE49-F238E27FC236}">
+                <a16:creationId xmlns:a16="http://schemas.microsoft.com/office/drawing/2014/main" id="{8B28AA5E-85B9-C3FD-1908-1A176A681816}"/>
               </a:ext>
             </a:extLst>
           </p:cNvPr>
@@ -9143,7 +9177,7 @@
           <p:nvPr/>
         </p:nvPicPr>
         <p:blipFill>
-          <a:blip r:embed="rId12">
+          <a:blip r:embed="rId11">
             <a:extLst>
               <a:ext uri="{28A0092B-C50C-407E-A947-70E740481C1C}">
                 <a14:useLocalDpi xmlns:a14="http://schemas.microsoft.com/office/drawing/2010/main" val="0"/>
@@ -9166,10 +9200,10 @@
       </p:pic>
       <p:pic>
         <p:nvPicPr>
-          <p:cNvPr id="38" name="ForecastIcon4">
-            <a:extLst>
-              <a:ext uri="{FF2B5EF4-FFF2-40B4-BE49-F238E27FC236}">
-                <a16:creationId xmlns:a16="http://schemas.microsoft.com/office/drawing/2014/main" id="{D4CCB9F7-1317-AEF3-FE0A-B97A09EF4F5F}"/>
+          <p:cNvPr id="12" name="ForecastIcon4">
+            <a:extLst>
+              <a:ext uri="{FF2B5EF4-FFF2-40B4-BE49-F238E27FC236}">
+                <a16:creationId xmlns:a16="http://schemas.microsoft.com/office/drawing/2014/main" id="{7EC4CA32-4E3B-05D7-C480-1356C65AA9C6}"/>
               </a:ext>
             </a:extLst>
           </p:cNvPr>
@@ -9179,7 +9213,7 @@
           <p:nvPr/>
         </p:nvPicPr>
         <p:blipFill>
-          <a:blip r:embed="rId12">
+          <a:blip r:embed="rId11">
             <a:extLst>
               <a:ext uri="{28A0092B-C50C-407E-A947-70E740481C1C}">
                 <a14:useLocalDpi xmlns:a14="http://schemas.microsoft.com/office/drawing/2010/main" val="0"/>
@@ -9202,10 +9236,10 @@
       </p:pic>
       <p:pic>
         <p:nvPicPr>
-          <p:cNvPr id="40" name="ForecastIcon5">
-            <a:extLst>
-              <a:ext uri="{FF2B5EF4-FFF2-40B4-BE49-F238E27FC236}">
-                <a16:creationId xmlns:a16="http://schemas.microsoft.com/office/drawing/2014/main" id="{4C4609FC-5D57-97CF-9B14-527955BEBA22}"/>
+          <p:cNvPr id="16" name="ForecastIcon5">
+            <a:extLst>
+              <a:ext uri="{FF2B5EF4-FFF2-40B4-BE49-F238E27FC236}">
+                <a16:creationId xmlns:a16="http://schemas.microsoft.com/office/drawing/2014/main" id="{B98D7E6B-8F5C-A056-8837-27C4BFA2F1F2}"/>
               </a:ext>
             </a:extLst>
           </p:cNvPr>
@@ -9215,7 +9249,7 @@
           <p:nvPr/>
         </p:nvPicPr>
         <p:blipFill>
-          <a:blip r:embed="rId13">
+          <a:blip r:embed="rId11">
             <a:extLst>
               <a:ext uri="{28A0092B-C50C-407E-A947-70E740481C1C}">
                 <a14:useLocalDpi xmlns:a14="http://schemas.microsoft.com/office/drawing/2010/main" val="0"/>
@@ -9437,7 +9471,7 @@
                 <a:ea typeface="+mn-ea"/>
                 <a:cs typeface="+mn-cs"/>
               </a:rPr>
-              <a:t>2:50 PM</a:t>
+              <a:t>12:27 PM</a:t>
             </a:r>
             <a:endParaRPr kumimoji="0" lang="en-US" sz="4400" b="0" i="0" u="none" strike="noStrike" kern="1200" cap="none" spc="0" normalizeH="0" baseline="0" noProof="0" dirty="0">
               <a:ln>
@@ -9509,7 +9543,7 @@
                 <a:ea typeface="+mn-ea"/>
                 <a:cs typeface="+mn-cs"/>
               </a:rPr>
-              <a:t>Tuesday, May 27, 2025</a:t>
+              <a:t>Thursday, May 29, 2025</a:t>
             </a:r>
             <a:endParaRPr kumimoji="0" lang="en-US" sz="2400" b="0" i="0" u="none" strike="noStrike" kern="1200" cap="none" spc="0" normalizeH="0" baseline="0" noProof="0" dirty="0">
               <a:ln>
@@ -9979,7 +10013,7 @@
                 <a:ea typeface="+mn-ea"/>
                 <a:cs typeface="+mn-cs"/>
               </a:rPr>
-              <a:t>54</a:t>
+              <a:t>64</a:t>
             </a:r>
             <a:endParaRPr kumimoji="0" lang="en-US" sz="3200" b="0" i="0" u="none" strike="noStrike" kern="1200" cap="none" spc="0" normalizeH="0" baseline="0" noProof="0" dirty="0">
               <a:ln>
@@ -10372,7 +10406,7 @@
               <a:defRPr/>
             </a:pPr>
             <a:r>
-              <a:rPr kumimoji="0" lang="en-US" sz="1600" b="0" i="0" u="none" strike="noStrike" kern="1200" cap="none" spc="0" normalizeH="0" baseline="0" noProof="0" dirty="0">
+              <a:rPr kumimoji="0" lang="en-US" sz="1600" b="0" i="0" u="none" strike="noStrike" kern="1200" cap="none" spc="0" normalizeH="0" baseline="0" noProof="0">
                 <a:ln>
                   <a:noFill/>
                 </a:ln>
@@ -10383,8 +10417,19 @@
                 <a:ea typeface="+mn-ea"/>
                 <a:cs typeface="+mn-cs"/>
               </a:rPr>
-              <a:t>Light Rain</a:t>
+              <a:t>Cloudy</a:t>
             </a:r>
+            <a:endParaRPr kumimoji="0" lang="en-US" sz="1600" b="0" i="0" u="none" strike="noStrike" kern="1200" cap="none" spc="0" normalizeH="0" baseline="0" noProof="0" dirty="0">
+              <a:ln>
+                <a:noFill/>
+              </a:ln>
+              <a:effectLst/>
+              <a:uLnTx/>
+              <a:uFillTx/>
+              <a:latin typeface="Calibri Light" panose="020F0302020204030204" pitchFamily="34" charset="0"/>
+              <a:ea typeface="+mn-ea"/>
+              <a:cs typeface="+mn-cs"/>
+            </a:endParaRPr>
           </a:p>
         </p:txBody>
       </p:sp>
@@ -10418,42 +10463,6 @@
           <a:xfrm>
             <a:off x="5252891" y="0"/>
             <a:ext cx="6858000" cy="6858000"/>
-          </a:xfrm>
-          <a:prstGeom prst="rect">
-            <a:avLst/>
-          </a:prstGeom>
-        </p:spPr>
-      </p:pic>
-      <p:pic>
-        <p:nvPicPr>
-          <p:cNvPr id="21" name="WeatherIcon">
-            <a:extLst>
-              <a:ext uri="{FF2B5EF4-FFF2-40B4-BE49-F238E27FC236}">
-                <a16:creationId xmlns:a16="http://schemas.microsoft.com/office/drawing/2014/main" id="{D1205218-4200-DB66-909B-07C3FE59B176}"/>
-              </a:ext>
-            </a:extLst>
-          </p:cNvPr>
-          <p:cNvPicPr>
-            <a:picLocks/>
-          </p:cNvPicPr>
-          <p:nvPr/>
-        </p:nvPicPr>
-        <p:blipFill>
-          <a:blip r:embed="rId8">
-            <a:extLst>
-              <a:ext uri="{28A0092B-C50C-407E-A947-70E740481C1C}">
-                <a14:useLocalDpi xmlns:a14="http://schemas.microsoft.com/office/drawing/2010/main" val="0"/>
-              </a:ext>
-            </a:extLst>
-          </a:blip>
-          <a:stretch>
-            <a:fillRect/>
-          </a:stretch>
-        </p:blipFill>
-        <p:spPr>
-          <a:xfrm>
-            <a:off x="1337245" y="1162472"/>
-            <a:ext cx="720000" cy="720000"/>
           </a:xfrm>
           <a:prstGeom prst="rect">
             <a:avLst/>
@@ -10516,6 +10525,42 @@
           </a:p>
         </p:txBody>
       </p:sp>
+      <p:pic>
+        <p:nvPicPr>
+          <p:cNvPr id="14" name="WeatherIcon">
+            <a:extLst>
+              <a:ext uri="{FF2B5EF4-FFF2-40B4-BE49-F238E27FC236}">
+                <a16:creationId xmlns:a16="http://schemas.microsoft.com/office/drawing/2014/main" id="{028192E6-D5D1-0DD0-9D05-AF83F99C8E8C}"/>
+              </a:ext>
+            </a:extLst>
+          </p:cNvPr>
+          <p:cNvPicPr>
+            <a:picLocks/>
+          </p:cNvPicPr>
+          <p:nvPr/>
+        </p:nvPicPr>
+        <p:blipFill>
+          <a:blip r:embed="rId8">
+            <a:extLst>
+              <a:ext uri="{28A0092B-C50C-407E-A947-70E740481C1C}">
+                <a14:useLocalDpi xmlns:a14="http://schemas.microsoft.com/office/drawing/2010/main" val="0"/>
+              </a:ext>
+            </a:extLst>
+          </a:blip>
+          <a:stretch>
+            <a:fillRect/>
+          </a:stretch>
+        </p:blipFill>
+        <p:spPr>
+          <a:xfrm>
+            <a:off x="1337245" y="1162472"/>
+            <a:ext cx="720000" cy="720000"/>
+          </a:xfrm>
+          <a:prstGeom prst="rect">
+            <a:avLst/>
+          </a:prstGeom>
+        </p:spPr>
+      </p:pic>
     </p:spTree>
     <p:extLst>
       <p:ext uri="{BB962C8B-B14F-4D97-AF65-F5344CB8AC3E}">
@@ -10703,7 +10748,7 @@
               <a:defRPr/>
             </a:pPr>
             <a:r>
-              <a:rPr kumimoji="0" lang="en-US" sz="2000" b="0" i="0" u="none" strike="noStrike" kern="1200" cap="none" spc="0" normalizeH="0" baseline="0" noProof="0" dirty="0">
+              <a:rPr kumimoji="0" lang="en-US" sz="2000" b="0" i="0" u="none" strike="noStrike" kern="1200" cap="none" spc="0" normalizeH="0" baseline="0" noProof="0">
                 <a:ln>
                   <a:noFill/>
                 </a:ln>
@@ -10717,8 +10762,22 @@
                 <a:ea typeface="+mn-ea"/>
                 <a:cs typeface="+mn-cs"/>
               </a:rPr>
-              <a:t>Wednesday (May 28)</a:t>
+              <a:t>Friday</a:t>
             </a:r>
+            <a:endParaRPr kumimoji="0" lang="en-US" sz="2000" b="0" i="0" u="none" strike="noStrike" kern="1200" cap="none" spc="0" normalizeH="0" baseline="0" noProof="0" dirty="0">
+              <a:ln>
+                <a:noFill/>
+              </a:ln>
+              <a:solidFill>
+                <a:prstClr val="white"/>
+              </a:solidFill>
+              <a:effectLst/>
+              <a:uLnTx/>
+              <a:uFillTx/>
+              <a:latin typeface="Bebas Neue" panose="020B0506020202020201" pitchFamily="34" charset="0"/>
+              <a:ea typeface="+mn-ea"/>
+              <a:cs typeface="+mn-cs"/>
+            </a:endParaRPr>
           </a:p>
         </p:txBody>
       </p:sp>
@@ -10871,7 +10930,7 @@
                 <a:ea typeface="+mn-ea"/>
                 <a:cs typeface="+mn-cs"/>
               </a:rPr>
-              <a:t>Saturday (May 31)</a:t>
+              <a:t>Monday</a:t>
             </a:r>
             <a:endParaRPr kumimoji="0" lang="en-US" sz="2000" b="0" i="0" u="none" strike="noStrike" kern="1200" cap="none" spc="0" normalizeH="0" baseline="0" noProof="0" dirty="0">
               <a:ln>
@@ -11039,7 +11098,7 @@
                 <a:ea typeface="+mn-ea"/>
                 <a:cs typeface="+mn-cs"/>
               </a:rPr>
-              <a:t>Thursday (May 29)</a:t>
+              <a:t>Saturday</a:t>
             </a:r>
             <a:endParaRPr kumimoji="0" lang="en-US" sz="2000" b="0" i="0" u="none" strike="noStrike" kern="1200" cap="none" spc="0" normalizeH="0" baseline="0" noProof="0" dirty="0">
               <a:ln>
@@ -11207,7 +11266,7 @@
                 <a:ea typeface="+mn-ea"/>
                 <a:cs typeface="+mn-cs"/>
               </a:rPr>
-              <a:t>Friday (May 30)</a:t>
+              <a:t>Sunday</a:t>
             </a:r>
             <a:endParaRPr kumimoji="0" lang="en-US" sz="2000" b="0" i="0" u="none" strike="noStrike" kern="1200" cap="none" spc="0" normalizeH="0" baseline="0" noProof="0" dirty="0">
               <a:ln>
@@ -11375,7 +11434,7 @@
                 <a:ea typeface="+mn-ea"/>
                 <a:cs typeface="+mn-cs"/>
               </a:rPr>
-              <a:t>H: 69°F  L: 48°F</a:t>
+              <a:t>H: 82°F  L: 58°F</a:t>
             </a:r>
             <a:endParaRPr kumimoji="0" lang="en-US" sz="1800" b="0" i="0" u="none" strike="noStrike" kern="1200" cap="none" spc="0" normalizeH="0" baseline="0" noProof="0" dirty="0">
               <a:ln>
@@ -11543,7 +11602,7 @@
                 <a:ea typeface="+mn-ea"/>
                 <a:cs typeface="+mn-cs"/>
               </a:rPr>
-              <a:t>H: 82°F  L: 58°F</a:t>
+              <a:t>H: 90°F  L: 67°F</a:t>
             </a:r>
             <a:endParaRPr kumimoji="0" lang="en-US" sz="1800" b="0" i="0" u="none" strike="noStrike" kern="1200" cap="none" spc="0" normalizeH="0" baseline="0" noProof="0" dirty="0">
               <a:ln>
@@ -11711,7 +11770,7 @@
                 <a:ea typeface="+mn-ea"/>
                 <a:cs typeface="+mn-cs"/>
               </a:rPr>
-              <a:t>H: 75°F  L: 53°F</a:t>
+              <a:t>H: 84°F  L: 59°F</a:t>
             </a:r>
             <a:endParaRPr kumimoji="0" lang="en-US" sz="1800" b="0" i="0" u="none" strike="noStrike" kern="1200" cap="none" spc="0" normalizeH="0" baseline="0" noProof="0" dirty="0">
               <a:ln>
@@ -11879,7 +11938,7 @@
                 <a:ea typeface="+mn-ea"/>
                 <a:cs typeface="+mn-cs"/>
               </a:rPr>
-              <a:t>H: 82°F  L: 57°F</a:t>
+              <a:t>H: 88°F  L: 63°F</a:t>
             </a:r>
             <a:endParaRPr kumimoji="0" lang="en-US" sz="1800" b="0" i="0" u="none" strike="noStrike" kern="1200" cap="none" spc="0" normalizeH="0" baseline="0" noProof="0" dirty="0">
               <a:ln>
@@ -11957,7 +12016,7 @@
                 <a:ea typeface="+mn-ea"/>
                 <a:cs typeface="+mn-cs"/>
               </a:rPr>
-              <a:t>2:50 PM</a:t>
+              <a:t>12:27 PM</a:t>
             </a:r>
             <a:endParaRPr kumimoji="0" lang="en-US" sz="4800" b="0" i="0" u="none" strike="noStrike" kern="1200" cap="none" spc="0" normalizeH="0" baseline="0" noProof="0" dirty="0">
               <a:ln>
@@ -12035,7 +12094,7 @@
                 <a:ea typeface="+mn-ea"/>
                 <a:cs typeface="+mn-cs"/>
               </a:rPr>
-              <a:t>Tuesday, May 27, 2025</a:t>
+              <a:t>Thursday, May 29, 2025</a:t>
             </a:r>
             <a:endParaRPr kumimoji="0" lang="en-US" sz="2400" b="0" i="0" u="none" strike="noStrike" kern="1200" cap="none" spc="0" normalizeH="0" baseline="0" noProof="0" dirty="0">
               <a:ln>
@@ -12092,10 +12151,10 @@
       </p:pic>
       <p:pic>
         <p:nvPicPr>
-          <p:cNvPr id="34" name="ForecastIcon2">
-            <a:extLst>
-              <a:ext uri="{FF2B5EF4-FFF2-40B4-BE49-F238E27FC236}">
-                <a16:creationId xmlns:a16="http://schemas.microsoft.com/office/drawing/2014/main" id="{E2C20AE8-E9DA-7FA6-1880-D6F91C03A0D9}"/>
+          <p:cNvPr id="6" name="ForecastIcon2">
+            <a:extLst>
+              <a:ext uri="{FF2B5EF4-FFF2-40B4-BE49-F238E27FC236}">
+                <a16:creationId xmlns:a16="http://schemas.microsoft.com/office/drawing/2014/main" id="{31222EC7-1CC7-A659-6FBD-1C71EA0BF822}"/>
               </a:ext>
             </a:extLst>
           </p:cNvPr>
@@ -12128,10 +12187,10 @@
       </p:pic>
       <p:pic>
         <p:nvPicPr>
-          <p:cNvPr id="36" name="ForecastIcon3">
-            <a:extLst>
-              <a:ext uri="{FF2B5EF4-FFF2-40B4-BE49-F238E27FC236}">
-                <a16:creationId xmlns:a16="http://schemas.microsoft.com/office/drawing/2014/main" id="{2738AA22-33F7-4830-8A4A-5398912D0838}"/>
+          <p:cNvPr id="8" name="ForecastIcon3">
+            <a:extLst>
+              <a:ext uri="{FF2B5EF4-FFF2-40B4-BE49-F238E27FC236}">
+                <a16:creationId xmlns:a16="http://schemas.microsoft.com/office/drawing/2014/main" id="{E2E44D85-9EA6-45FE-8BCC-182570526D3A}"/>
               </a:ext>
             </a:extLst>
           </p:cNvPr>
@@ -12141,7 +12200,7 @@
           <p:nvPr/>
         </p:nvPicPr>
         <p:blipFill>
-          <a:blip r:embed="rId12">
+          <a:blip r:embed="rId11">
             <a:extLst>
               <a:ext uri="{28A0092B-C50C-407E-A947-70E740481C1C}">
                 <a14:useLocalDpi xmlns:a14="http://schemas.microsoft.com/office/drawing/2010/main" val="0"/>
@@ -12164,10 +12223,10 @@
       </p:pic>
       <p:pic>
         <p:nvPicPr>
-          <p:cNvPr id="38" name="ForecastIcon4">
-            <a:extLst>
-              <a:ext uri="{FF2B5EF4-FFF2-40B4-BE49-F238E27FC236}">
-                <a16:creationId xmlns:a16="http://schemas.microsoft.com/office/drawing/2014/main" id="{FC36343E-E7AA-D01C-EFE9-E56A0180E6FE}"/>
+          <p:cNvPr id="12" name="ForecastIcon4">
+            <a:extLst>
+              <a:ext uri="{FF2B5EF4-FFF2-40B4-BE49-F238E27FC236}">
+                <a16:creationId xmlns:a16="http://schemas.microsoft.com/office/drawing/2014/main" id="{45DB57B1-2C10-2F86-2055-5BD7C41EA09F}"/>
               </a:ext>
             </a:extLst>
           </p:cNvPr>
@@ -12177,7 +12236,7 @@
           <p:nvPr/>
         </p:nvPicPr>
         <p:blipFill>
-          <a:blip r:embed="rId12">
+          <a:blip r:embed="rId11">
             <a:extLst>
               <a:ext uri="{28A0092B-C50C-407E-A947-70E740481C1C}">
                 <a14:useLocalDpi xmlns:a14="http://schemas.microsoft.com/office/drawing/2010/main" val="0"/>
@@ -12200,10 +12259,10 @@
       </p:pic>
       <p:pic>
         <p:nvPicPr>
-          <p:cNvPr id="40" name="ForecastIcon5">
-            <a:extLst>
-              <a:ext uri="{FF2B5EF4-FFF2-40B4-BE49-F238E27FC236}">
-                <a16:creationId xmlns:a16="http://schemas.microsoft.com/office/drawing/2014/main" id="{AC75A962-5E4B-47A4-71A7-19F2C72BF68C}"/>
+          <p:cNvPr id="16" name="ForecastIcon5">
+            <a:extLst>
+              <a:ext uri="{FF2B5EF4-FFF2-40B4-BE49-F238E27FC236}">
+                <a16:creationId xmlns:a16="http://schemas.microsoft.com/office/drawing/2014/main" id="{C0FCACFD-8CFE-A4C9-E899-983BD82EEED6}"/>
               </a:ext>
             </a:extLst>
           </p:cNvPr>
@@ -12213,7 +12272,7 @@
           <p:nvPr/>
         </p:nvPicPr>
         <p:blipFill>
-          <a:blip r:embed="rId13">
+          <a:blip r:embed="rId11">
             <a:extLst>
               <a:ext uri="{28A0092B-C50C-407E-A947-70E740481C1C}">
                 <a14:useLocalDpi xmlns:a14="http://schemas.microsoft.com/office/drawing/2010/main" val="0"/>
